--- a/StronglyTypedAJS.pptx
+++ b/StronglyTypedAJS.pptx
@@ -2389,322 +2389,6 @@
       <dsp:cNvGrpSpPr/>
     </dsp:nvGrpSpPr>
     <dsp:grpSpPr/>
-    <dsp:sp modelId="{E85C45AC-042F-4DFF-9BE9-347EC329AE3C}">
-      <dsp:nvSpPr>
-        <dsp:cNvPr id="0" name=""/>
-        <dsp:cNvSpPr/>
-      </dsp:nvSpPr>
-      <dsp:spPr>
-        <a:xfrm>
-          <a:off x="1311048" y="2231"/>
-          <a:ext cx="2506953" cy="1504172"/>
-        </a:xfrm>
-        <a:prstGeom prst="rect">
-          <a:avLst/>
-        </a:prstGeom>
-        <a:solidFill>
-          <a:schemeClr val="accent1">
-            <a:shade val="80000"/>
-            <a:hueOff val="0"/>
-            <a:satOff val="0"/>
-            <a:lumOff val="0"/>
-            <a:alphaOff val="0"/>
-          </a:schemeClr>
-        </a:solidFill>
-        <a:ln w="12700" cap="flat" cmpd="sng" algn="ctr">
-          <a:solidFill>
-            <a:schemeClr val="lt1">
-              <a:hueOff val="0"/>
-              <a:satOff val="0"/>
-              <a:lumOff val="0"/>
-              <a:alphaOff val="0"/>
-            </a:schemeClr>
-          </a:solidFill>
-          <a:prstDash val="solid"/>
-          <a:miter lim="800000"/>
-        </a:ln>
-        <a:effectLst/>
-      </dsp:spPr>
-      <dsp:style>
-        <a:lnRef idx="2">
-          <a:scrgbClr r="0" g="0" b="0"/>
-        </a:lnRef>
-        <a:fillRef idx="1">
-          <a:scrgbClr r="0" g="0" b="0"/>
-        </a:fillRef>
-        <a:effectRef idx="0">
-          <a:scrgbClr r="0" g="0" b="0"/>
-        </a:effectRef>
-        <a:fontRef idx="minor">
-          <a:schemeClr val="lt1"/>
-        </a:fontRef>
-      </dsp:style>
-      <dsp:txBody>
-        <a:bodyPr spcFirstLastPara="0" vert="horz" wrap="square" lIns="91440" tIns="91440" rIns="91440" bIns="91440" numCol="1" spcCol="1270" anchor="ctr" anchorCtr="0">
-          <a:noAutofit/>
-        </a:bodyPr>
-        <a:lstStyle/>
-        <a:p>
-          <a:pPr lvl="0" algn="ctr" defTabSz="1066800" rtl="0">
-            <a:lnSpc>
-              <a:spcPct val="90000"/>
-            </a:lnSpc>
-            <a:spcBef>
-              <a:spcPct val="0"/>
-            </a:spcBef>
-            <a:spcAft>
-              <a:spcPct val="35000"/>
-            </a:spcAft>
-          </a:pPr>
-          <a:r>
-            <a:rPr lang="en-US" sz="2400" kern="1200" dirty="0" smtClean="0"/>
-            <a:t>Software developer for the past 16 years</a:t>
-          </a:r>
-          <a:endParaRPr lang="en-US" sz="2400" kern="1200" dirty="0"/>
-        </a:p>
-      </dsp:txBody>
-      <dsp:txXfrm>
-        <a:off x="1311048" y="2231"/>
-        <a:ext cx="2506953" cy="1504172"/>
-      </dsp:txXfrm>
-    </dsp:sp>
-    <dsp:sp modelId="{76E9C7D3-DFC3-4AD7-90B2-FFCCD7288A67}">
-      <dsp:nvSpPr>
-        <dsp:cNvPr id="0" name=""/>
-        <dsp:cNvSpPr/>
-      </dsp:nvSpPr>
-      <dsp:spPr>
-        <a:xfrm>
-          <a:off x="4068697" y="2231"/>
-          <a:ext cx="2506953" cy="1504172"/>
-        </a:xfrm>
-        <a:prstGeom prst="rect">
-          <a:avLst/>
-        </a:prstGeom>
-        <a:solidFill>
-          <a:schemeClr val="accent1">
-            <a:shade val="80000"/>
-            <a:hueOff val="90421"/>
-            <a:satOff val="1725"/>
-            <a:lumOff val="7618"/>
-            <a:alphaOff val="0"/>
-          </a:schemeClr>
-        </a:solidFill>
-        <a:ln w="12700" cap="flat" cmpd="sng" algn="ctr">
-          <a:solidFill>
-            <a:schemeClr val="lt1">
-              <a:hueOff val="0"/>
-              <a:satOff val="0"/>
-              <a:lumOff val="0"/>
-              <a:alphaOff val="0"/>
-            </a:schemeClr>
-          </a:solidFill>
-          <a:prstDash val="solid"/>
-          <a:miter lim="800000"/>
-        </a:ln>
-        <a:effectLst/>
-      </dsp:spPr>
-      <dsp:style>
-        <a:lnRef idx="2">
-          <a:scrgbClr r="0" g="0" b="0"/>
-        </a:lnRef>
-        <a:fillRef idx="1">
-          <a:scrgbClr r="0" g="0" b="0"/>
-        </a:fillRef>
-        <a:effectRef idx="0">
-          <a:scrgbClr r="0" g="0" b="0"/>
-        </a:effectRef>
-        <a:fontRef idx="minor">
-          <a:schemeClr val="lt1"/>
-        </a:fontRef>
-      </dsp:style>
-      <dsp:txBody>
-        <a:bodyPr spcFirstLastPara="0" vert="horz" wrap="square" lIns="91440" tIns="91440" rIns="91440" bIns="91440" numCol="1" spcCol="1270" anchor="ctr" anchorCtr="0">
-          <a:noAutofit/>
-        </a:bodyPr>
-        <a:lstStyle/>
-        <a:p>
-          <a:pPr lvl="0" algn="ctr" defTabSz="1066800" rtl="0">
-            <a:lnSpc>
-              <a:spcPct val="90000"/>
-            </a:lnSpc>
-            <a:spcBef>
-              <a:spcPct val="0"/>
-            </a:spcBef>
-            <a:spcAft>
-              <a:spcPct val="35000"/>
-            </a:spcAft>
-          </a:pPr>
-          <a:r>
-            <a:rPr lang="en-US" sz="2400" kern="1200" dirty="0" smtClean="0"/>
-            <a:t>AngularJS developer for the past two years</a:t>
-          </a:r>
-          <a:endParaRPr lang="en-US" sz="2400" kern="1200" dirty="0"/>
-        </a:p>
-      </dsp:txBody>
-      <dsp:txXfrm>
-        <a:off x="4068697" y="2231"/>
-        <a:ext cx="2506953" cy="1504172"/>
-      </dsp:txXfrm>
-    </dsp:sp>
-    <dsp:sp modelId="{22C98227-33C4-4A7A-8E89-F87FD36D7677}">
-      <dsp:nvSpPr>
-        <dsp:cNvPr id="0" name=""/>
-        <dsp:cNvSpPr/>
-      </dsp:nvSpPr>
-      <dsp:spPr>
-        <a:xfrm>
-          <a:off x="1311048" y="1757099"/>
-          <a:ext cx="2506953" cy="1504172"/>
-        </a:xfrm>
-        <a:prstGeom prst="rect">
-          <a:avLst/>
-        </a:prstGeom>
-        <a:solidFill>
-          <a:schemeClr val="accent1">
-            <a:shade val="80000"/>
-            <a:hueOff val="180842"/>
-            <a:satOff val="3450"/>
-            <a:lumOff val="15237"/>
-            <a:alphaOff val="0"/>
-          </a:schemeClr>
-        </a:solidFill>
-        <a:ln w="12700" cap="flat" cmpd="sng" algn="ctr">
-          <a:solidFill>
-            <a:schemeClr val="lt1">
-              <a:hueOff val="0"/>
-              <a:satOff val="0"/>
-              <a:lumOff val="0"/>
-              <a:alphaOff val="0"/>
-            </a:schemeClr>
-          </a:solidFill>
-          <a:prstDash val="solid"/>
-          <a:miter lim="800000"/>
-        </a:ln>
-        <a:effectLst/>
-      </dsp:spPr>
-      <dsp:style>
-        <a:lnRef idx="2">
-          <a:scrgbClr r="0" g="0" b="0"/>
-        </a:lnRef>
-        <a:fillRef idx="1">
-          <a:scrgbClr r="0" g="0" b="0"/>
-        </a:fillRef>
-        <a:effectRef idx="0">
-          <a:scrgbClr r="0" g="0" b="0"/>
-        </a:effectRef>
-        <a:fontRef idx="minor">
-          <a:schemeClr val="lt1"/>
-        </a:fontRef>
-      </dsp:style>
-      <dsp:txBody>
-        <a:bodyPr spcFirstLastPara="0" vert="horz" wrap="square" lIns="91440" tIns="91440" rIns="91440" bIns="91440" numCol="1" spcCol="1270" anchor="ctr" anchorCtr="0">
-          <a:noAutofit/>
-        </a:bodyPr>
-        <a:lstStyle/>
-        <a:p>
-          <a:pPr lvl="0" algn="ctr" defTabSz="1066800" rtl="0">
-            <a:lnSpc>
-              <a:spcPct val="90000"/>
-            </a:lnSpc>
-            <a:spcBef>
-              <a:spcPct val="0"/>
-            </a:spcBef>
-            <a:spcAft>
-              <a:spcPct val="35000"/>
-            </a:spcAft>
-          </a:pPr>
-          <a:r>
-            <a:rPr lang="en-US" sz="2400" kern="1200" dirty="0" smtClean="0"/>
-            <a:t>Freelance developer &amp;  consultant</a:t>
-          </a:r>
-          <a:endParaRPr lang="en-US" sz="2400" kern="1200" dirty="0"/>
-        </a:p>
-      </dsp:txBody>
-      <dsp:txXfrm>
-        <a:off x="1311048" y="1757099"/>
-        <a:ext cx="2506953" cy="1504172"/>
-      </dsp:txXfrm>
-    </dsp:sp>
-    <dsp:sp modelId="{0B35968C-3615-4126-88ED-D5AACA4F3FD7}">
-      <dsp:nvSpPr>
-        <dsp:cNvPr id="0" name=""/>
-        <dsp:cNvSpPr/>
-      </dsp:nvSpPr>
-      <dsp:spPr>
-        <a:xfrm>
-          <a:off x="4068697" y="1757099"/>
-          <a:ext cx="2506953" cy="1504172"/>
-        </a:xfrm>
-        <a:prstGeom prst="rect">
-          <a:avLst/>
-        </a:prstGeom>
-        <a:solidFill>
-          <a:schemeClr val="accent1">
-            <a:shade val="80000"/>
-            <a:hueOff val="271263"/>
-            <a:satOff val="5175"/>
-            <a:lumOff val="22855"/>
-            <a:alphaOff val="0"/>
-          </a:schemeClr>
-        </a:solidFill>
-        <a:ln w="12700" cap="flat" cmpd="sng" algn="ctr">
-          <a:solidFill>
-            <a:schemeClr val="lt1">
-              <a:hueOff val="0"/>
-              <a:satOff val="0"/>
-              <a:lumOff val="0"/>
-              <a:alphaOff val="0"/>
-            </a:schemeClr>
-          </a:solidFill>
-          <a:prstDash val="solid"/>
-          <a:miter lim="800000"/>
-        </a:ln>
-        <a:effectLst/>
-      </dsp:spPr>
-      <dsp:style>
-        <a:lnRef idx="2">
-          <a:scrgbClr r="0" g="0" b="0"/>
-        </a:lnRef>
-        <a:fillRef idx="1">
-          <a:scrgbClr r="0" g="0" b="0"/>
-        </a:fillRef>
-        <a:effectRef idx="0">
-          <a:scrgbClr r="0" g="0" b="0"/>
-        </a:effectRef>
-        <a:fontRef idx="minor">
-          <a:schemeClr val="lt1"/>
-        </a:fontRef>
-      </dsp:style>
-      <dsp:txBody>
-        <a:bodyPr spcFirstLastPara="0" vert="horz" wrap="square" lIns="91440" tIns="91440" rIns="91440" bIns="91440" numCol="1" spcCol="1270" anchor="ctr" anchorCtr="0">
-          <a:noAutofit/>
-        </a:bodyPr>
-        <a:lstStyle/>
-        <a:p>
-          <a:pPr lvl="0" algn="ctr" defTabSz="1066800" rtl="0">
-            <a:lnSpc>
-              <a:spcPct val="90000"/>
-            </a:lnSpc>
-            <a:spcBef>
-              <a:spcPct val="0"/>
-            </a:spcBef>
-            <a:spcAft>
-              <a:spcPct val="35000"/>
-            </a:spcAft>
-          </a:pPr>
-          <a:r>
-            <a:rPr lang="en-US" sz="2400" kern="1200" smtClean="0"/>
-            <a:t>Author for Pluralsight</a:t>
-          </a:r>
-          <a:endParaRPr lang="en-US" sz="2400" kern="1200"/>
-        </a:p>
-      </dsp:txBody>
-      <dsp:txXfrm>
-        <a:off x="4068697" y="1757099"/>
-        <a:ext cx="2506953" cy="1504172"/>
-      </dsp:txXfrm>
-    </dsp:sp>
   </dsp:spTree>
 </dsp:drawing>
 </file>
@@ -2717,334 +2401,6 @@
       <dsp:cNvGrpSpPr/>
     </dsp:nvGrpSpPr>
     <dsp:grpSpPr/>
-    <dsp:sp modelId="{74E0ED85-94D2-4658-8F5F-1E86D949BC42}">
-      <dsp:nvSpPr>
-        <dsp:cNvPr id="0" name=""/>
-        <dsp:cNvSpPr/>
-      </dsp:nvSpPr>
-      <dsp:spPr>
-        <a:xfrm>
-          <a:off x="1311048" y="2231"/>
-          <a:ext cx="2506953" cy="1504172"/>
-        </a:xfrm>
-        <a:prstGeom prst="rect">
-          <a:avLst/>
-        </a:prstGeom>
-        <a:solidFill>
-          <a:schemeClr val="accent5">
-            <a:hueOff val="0"/>
-            <a:satOff val="0"/>
-            <a:lumOff val="0"/>
-            <a:alphaOff val="0"/>
-          </a:schemeClr>
-        </a:solidFill>
-        <a:ln w="12700" cap="flat" cmpd="sng" algn="ctr">
-          <a:solidFill>
-            <a:schemeClr val="lt1">
-              <a:hueOff val="0"/>
-              <a:satOff val="0"/>
-              <a:lumOff val="0"/>
-              <a:alphaOff val="0"/>
-            </a:schemeClr>
-          </a:solidFill>
-          <a:prstDash val="solid"/>
-          <a:miter lim="800000"/>
-        </a:ln>
-        <a:effectLst/>
-      </dsp:spPr>
-      <dsp:style>
-        <a:lnRef idx="2">
-          <a:scrgbClr r="0" g="0" b="0"/>
-        </a:lnRef>
-        <a:fillRef idx="1">
-          <a:scrgbClr r="0" g="0" b="0"/>
-        </a:fillRef>
-        <a:effectRef idx="0">
-          <a:scrgbClr r="0" g="0" b="0"/>
-        </a:effectRef>
-        <a:fontRef idx="minor">
-          <a:schemeClr val="lt1"/>
-        </a:fontRef>
-      </dsp:style>
-      <dsp:txBody>
-        <a:bodyPr spcFirstLastPara="0" vert="horz" wrap="square" lIns="167640" tIns="167640" rIns="167640" bIns="167640" numCol="1" spcCol="1270" anchor="ctr" anchorCtr="0">
-          <a:noAutofit/>
-        </a:bodyPr>
-        <a:lstStyle/>
-        <a:p>
-          <a:pPr lvl="0" algn="ctr" defTabSz="1955800" rtl="0">
-            <a:lnSpc>
-              <a:spcPct val="90000"/>
-            </a:lnSpc>
-            <a:spcBef>
-              <a:spcPct val="0"/>
-            </a:spcBef>
-            <a:spcAft>
-              <a:spcPct val="35000"/>
-            </a:spcAft>
-          </a:pPr>
-          <a:r>
-            <a:rPr lang="en-US" sz="4400" b="1" i="1" kern="1200" dirty="0" smtClean="0"/>
-            <a:t>79</a:t>
-          </a:r>
-          <a:r>
-            <a:rPr lang="en-US" sz="4000" kern="1200" dirty="0" smtClean="0"/>
-            <a:t> lines of markup</a:t>
-          </a:r>
-          <a:endParaRPr lang="en-US" sz="4000" kern="1200" dirty="0"/>
-        </a:p>
-      </dsp:txBody>
-      <dsp:txXfrm>
-        <a:off x="1311048" y="2231"/>
-        <a:ext cx="2506953" cy="1504172"/>
-      </dsp:txXfrm>
-    </dsp:sp>
-    <dsp:sp modelId="{C5BE888E-5228-4BA0-A491-17832A630BC2}">
-      <dsp:nvSpPr>
-        <dsp:cNvPr id="0" name=""/>
-        <dsp:cNvSpPr/>
-      </dsp:nvSpPr>
-      <dsp:spPr>
-        <a:xfrm>
-          <a:off x="4068697" y="2231"/>
-          <a:ext cx="2506953" cy="1504172"/>
-        </a:xfrm>
-        <a:prstGeom prst="rect">
-          <a:avLst/>
-        </a:prstGeom>
-        <a:solidFill>
-          <a:schemeClr val="accent5">
-            <a:hueOff val="-2451115"/>
-            <a:satOff val="-3409"/>
-            <a:lumOff val="-1307"/>
-            <a:alphaOff val="0"/>
-          </a:schemeClr>
-        </a:solidFill>
-        <a:ln w="12700" cap="flat" cmpd="sng" algn="ctr">
-          <a:solidFill>
-            <a:schemeClr val="lt1">
-              <a:hueOff val="0"/>
-              <a:satOff val="0"/>
-              <a:lumOff val="0"/>
-              <a:alphaOff val="0"/>
-            </a:schemeClr>
-          </a:solidFill>
-          <a:prstDash val="solid"/>
-          <a:miter lim="800000"/>
-        </a:ln>
-        <a:effectLst/>
-      </dsp:spPr>
-      <dsp:style>
-        <a:lnRef idx="2">
-          <a:scrgbClr r="0" g="0" b="0"/>
-        </a:lnRef>
-        <a:fillRef idx="1">
-          <a:scrgbClr r="0" g="0" b="0"/>
-        </a:fillRef>
-        <a:effectRef idx="0">
-          <a:scrgbClr r="0" g="0" b="0"/>
-        </a:effectRef>
-        <a:fontRef idx="minor">
-          <a:schemeClr val="lt1"/>
-        </a:fontRef>
-      </dsp:style>
-      <dsp:txBody>
-        <a:bodyPr spcFirstLastPara="0" vert="horz" wrap="square" lIns="167640" tIns="167640" rIns="167640" bIns="167640" numCol="1" spcCol="1270" anchor="ctr" anchorCtr="0">
-          <a:noAutofit/>
-        </a:bodyPr>
-        <a:lstStyle/>
-        <a:p>
-          <a:pPr lvl="0" algn="ctr" defTabSz="1955800" rtl="0">
-            <a:lnSpc>
-              <a:spcPct val="90000"/>
-            </a:lnSpc>
-            <a:spcBef>
-              <a:spcPct val="0"/>
-            </a:spcBef>
-            <a:spcAft>
-              <a:spcPct val="35000"/>
-            </a:spcAft>
-          </a:pPr>
-          <a:r>
-            <a:rPr lang="en-US" sz="4400" b="1" i="1" kern="1200" dirty="0" smtClean="0"/>
-            <a:t>54</a:t>
-          </a:r>
-          <a:r>
-            <a:rPr lang="en-US" sz="4000" kern="1200" dirty="0" smtClean="0"/>
-            <a:t> HTML tags</a:t>
-          </a:r>
-          <a:endParaRPr lang="en-US" sz="4000" kern="1200" dirty="0"/>
-        </a:p>
-      </dsp:txBody>
-      <dsp:txXfrm>
-        <a:off x="4068697" y="2231"/>
-        <a:ext cx="2506953" cy="1504172"/>
-      </dsp:txXfrm>
-    </dsp:sp>
-    <dsp:sp modelId="{396444C2-C7D4-43C5-ADE9-3209EB481EAC}">
-      <dsp:nvSpPr>
-        <dsp:cNvPr id="0" name=""/>
-        <dsp:cNvSpPr/>
-      </dsp:nvSpPr>
-      <dsp:spPr>
-        <a:xfrm>
-          <a:off x="1311048" y="1757099"/>
-          <a:ext cx="2506953" cy="1504172"/>
-        </a:xfrm>
-        <a:prstGeom prst="rect">
-          <a:avLst/>
-        </a:prstGeom>
-        <a:solidFill>
-          <a:schemeClr val="accent5">
-            <a:hueOff val="-4902230"/>
-            <a:satOff val="-6819"/>
-            <a:lumOff val="-2615"/>
-            <a:alphaOff val="0"/>
-          </a:schemeClr>
-        </a:solidFill>
-        <a:ln w="12700" cap="flat" cmpd="sng" algn="ctr">
-          <a:solidFill>
-            <a:schemeClr val="lt1">
-              <a:hueOff val="0"/>
-              <a:satOff val="0"/>
-              <a:lumOff val="0"/>
-              <a:alphaOff val="0"/>
-            </a:schemeClr>
-          </a:solidFill>
-          <a:prstDash val="solid"/>
-          <a:miter lim="800000"/>
-        </a:ln>
-        <a:effectLst/>
-      </dsp:spPr>
-      <dsp:style>
-        <a:lnRef idx="2">
-          <a:scrgbClr r="0" g="0" b="0"/>
-        </a:lnRef>
-        <a:fillRef idx="1">
-          <a:scrgbClr r="0" g="0" b="0"/>
-        </a:fillRef>
-        <a:effectRef idx="0">
-          <a:scrgbClr r="0" g="0" b="0"/>
-        </a:effectRef>
-        <a:fontRef idx="minor">
-          <a:schemeClr val="lt1"/>
-        </a:fontRef>
-      </dsp:style>
-      <dsp:txBody>
-        <a:bodyPr spcFirstLastPara="0" vert="horz" wrap="square" lIns="167640" tIns="167640" rIns="167640" bIns="167640" numCol="1" spcCol="1270" anchor="ctr" anchorCtr="0">
-          <a:noAutofit/>
-        </a:bodyPr>
-        <a:lstStyle/>
-        <a:p>
-          <a:pPr lvl="0" algn="ctr" defTabSz="1955800" rtl="0">
-            <a:lnSpc>
-              <a:spcPct val="90000"/>
-            </a:lnSpc>
-            <a:spcBef>
-              <a:spcPct val="0"/>
-            </a:spcBef>
-            <a:spcAft>
-              <a:spcPct val="35000"/>
-            </a:spcAft>
-          </a:pPr>
-          <a:r>
-            <a:rPr lang="en-US" sz="4400" b="1" i="1" kern="1200" dirty="0" smtClean="0"/>
-            <a:t>72</a:t>
-          </a:r>
-          <a:r>
-            <a:rPr lang="en-US" sz="4000" kern="1200" dirty="0" smtClean="0"/>
-            <a:t> CSS classes</a:t>
-          </a:r>
-          <a:endParaRPr lang="en-US" sz="4000" kern="1200" dirty="0"/>
-        </a:p>
-      </dsp:txBody>
-      <dsp:txXfrm>
-        <a:off x="1311048" y="1757099"/>
-        <a:ext cx="2506953" cy="1504172"/>
-      </dsp:txXfrm>
-    </dsp:sp>
-    <dsp:sp modelId="{12C7EA50-E425-4E1A-BFAD-093A7E1C0E91}">
-      <dsp:nvSpPr>
-        <dsp:cNvPr id="0" name=""/>
-        <dsp:cNvSpPr/>
-      </dsp:nvSpPr>
-      <dsp:spPr>
-        <a:xfrm>
-          <a:off x="4068697" y="1757099"/>
-          <a:ext cx="2506953" cy="1504172"/>
-        </a:xfrm>
-        <a:prstGeom prst="rect">
-          <a:avLst/>
-        </a:prstGeom>
-        <a:solidFill>
-          <a:schemeClr val="accent5">
-            <a:hueOff val="-7353344"/>
-            <a:satOff val="-10228"/>
-            <a:lumOff val="-3922"/>
-            <a:alphaOff val="0"/>
-          </a:schemeClr>
-        </a:solidFill>
-        <a:ln w="12700" cap="flat" cmpd="sng" algn="ctr">
-          <a:solidFill>
-            <a:schemeClr val="lt1">
-              <a:hueOff val="0"/>
-              <a:satOff val="0"/>
-              <a:lumOff val="0"/>
-              <a:alphaOff val="0"/>
-            </a:schemeClr>
-          </a:solidFill>
-          <a:prstDash val="solid"/>
-          <a:miter lim="800000"/>
-        </a:ln>
-        <a:effectLst/>
-      </dsp:spPr>
-      <dsp:style>
-        <a:lnRef idx="2">
-          <a:scrgbClr r="0" g="0" b="0"/>
-        </a:lnRef>
-        <a:fillRef idx="1">
-          <a:scrgbClr r="0" g="0" b="0"/>
-        </a:fillRef>
-        <a:effectRef idx="0">
-          <a:scrgbClr r="0" g="0" b="0"/>
-        </a:effectRef>
-        <a:fontRef idx="minor">
-          <a:schemeClr val="lt1"/>
-        </a:fontRef>
-      </dsp:style>
-      <dsp:txBody>
-        <a:bodyPr spcFirstLastPara="0" vert="horz" wrap="square" lIns="167640" tIns="167640" rIns="167640" bIns="167640" numCol="1" spcCol="1270" anchor="ctr" anchorCtr="0">
-          <a:noAutofit/>
-        </a:bodyPr>
-        <a:lstStyle/>
-        <a:p>
-          <a:pPr lvl="0" algn="ctr" defTabSz="1955800" rtl="0">
-            <a:lnSpc>
-              <a:spcPct val="90000"/>
-            </a:lnSpc>
-            <a:spcBef>
-              <a:spcPct val="0"/>
-            </a:spcBef>
-            <a:spcAft>
-              <a:spcPct val="35000"/>
-            </a:spcAft>
-          </a:pPr>
-          <a:r>
-            <a:rPr lang="en-US" sz="4400" b="1" i="1" kern="1200" dirty="0" smtClean="0"/>
-            <a:t>134</a:t>
-          </a:r>
-          <a:r>
-            <a:rPr lang="en-US" sz="4000" kern="1200" dirty="0" smtClean="0"/>
-            <a:t> attributes</a:t>
-          </a:r>
-          <a:endParaRPr lang="en-US" sz="4000" kern="1200" dirty="0"/>
-        </a:p>
-      </dsp:txBody>
-      <dsp:txXfrm>
-        <a:off x="4068697" y="1757099"/>
-        <a:ext cx="2506953" cy="1504172"/>
-      </dsp:txXfrm>
-    </dsp:sp>
   </dsp:spTree>
 </dsp:drawing>
 </file>
@@ -26936,7 +26292,23 @@
                     <a:schemeClr val="bg1"/>
                   </a:solidFill>
                 </a:rPr>
-                <a:t>http://heroicapplications.com/strongly-typed-angularjs </a:t>
+                <a:t>http</a:t>
+              </a:r>
+              <a:r>
+                <a:rPr lang="en-US" sz="1350" b="1">
+                  <a:solidFill>
+                    <a:schemeClr val="bg1"/>
+                  </a:solidFill>
+                </a:rPr>
+                <a:t>://</a:t>
+              </a:r>
+              <a:r>
+                <a:rPr lang="en-US" sz="1350" b="1" smtClean="0">
+                  <a:solidFill>
+                    <a:schemeClr val="bg1"/>
+                  </a:solidFill>
+                </a:rPr>
+                <a:t>heroicapplications.com/strongly-typed-angularjs.html </a:t>
               </a:r>
               <a:endParaRPr lang="en-US" sz="900" b="1" dirty="0">
                 <a:solidFill>
